--- a/дизайн/3.pptx
+++ b/дизайн/3.pptx
@@ -623,7 +623,7 @@
           <a:p>
             <a:fld id="{B90DFD24-2ACC-49DB-8D87-02B6FEA69FAB}" type="datetimeFigureOut">
               <a:rPr lang="ru-RU" smtClean="0"/>
-              <a:t>09.12.2020</a:t>
+              <a:t>16.12.2020</a:t>
             </a:fld>
             <a:endParaRPr lang="ru-RU"/>
           </a:p>
@@ -919,7 +919,7 @@
           <a:p>
             <a:fld id="{B90DFD24-2ACC-49DB-8D87-02B6FEA69FAB}" type="datetimeFigureOut">
               <a:rPr lang="ru-RU" smtClean="0"/>
-              <a:t>09.12.2020</a:t>
+              <a:t>16.12.2020</a:t>
             </a:fld>
             <a:endParaRPr lang="ru-RU"/>
           </a:p>
@@ -1167,7 +1167,7 @@
           <a:p>
             <a:fld id="{B90DFD24-2ACC-49DB-8D87-02B6FEA69FAB}" type="datetimeFigureOut">
               <a:rPr lang="ru-RU" smtClean="0"/>
-              <a:t>09.12.2020</a:t>
+              <a:t>16.12.2020</a:t>
             </a:fld>
             <a:endParaRPr lang="ru-RU"/>
           </a:p>
@@ -1707,7 +1707,7 @@
           <a:p>
             <a:fld id="{B90DFD24-2ACC-49DB-8D87-02B6FEA69FAB}" type="datetimeFigureOut">
               <a:rPr lang="ru-RU" smtClean="0"/>
-              <a:t>09.12.2020</a:t>
+              <a:t>16.12.2020</a:t>
             </a:fld>
             <a:endParaRPr lang="ru-RU"/>
           </a:p>
@@ -1955,7 +1955,7 @@
           <a:p>
             <a:fld id="{B90DFD24-2ACC-49DB-8D87-02B6FEA69FAB}" type="datetimeFigureOut">
               <a:rPr lang="ru-RU" smtClean="0"/>
-              <a:t>09.12.2020</a:t>
+              <a:t>16.12.2020</a:t>
             </a:fld>
             <a:endParaRPr lang="ru-RU"/>
           </a:p>
@@ -2487,7 +2487,7 @@
           <a:p>
             <a:fld id="{B90DFD24-2ACC-49DB-8D87-02B6FEA69FAB}" type="datetimeFigureOut">
               <a:rPr lang="ru-RU" smtClean="0"/>
-              <a:t>09.12.2020</a:t>
+              <a:t>16.12.2020</a:t>
             </a:fld>
             <a:endParaRPr lang="ru-RU"/>
           </a:p>
@@ -2784,7 +2784,7 @@
           <a:p>
             <a:fld id="{B90DFD24-2ACC-49DB-8D87-02B6FEA69FAB}" type="datetimeFigureOut">
               <a:rPr lang="ru-RU" smtClean="0"/>
-              <a:t>09.12.2020</a:t>
+              <a:t>16.12.2020</a:t>
             </a:fld>
             <a:endParaRPr lang="ru-RU"/>
           </a:p>
@@ -2958,7 +2958,7 @@
           <a:p>
             <a:fld id="{B90DFD24-2ACC-49DB-8D87-02B6FEA69FAB}" type="datetimeFigureOut">
               <a:rPr lang="ru-RU" smtClean="0"/>
-              <a:t>09.12.2020</a:t>
+              <a:t>16.12.2020</a:t>
             </a:fld>
             <a:endParaRPr lang="ru-RU"/>
           </a:p>
@@ -3138,7 +3138,7 @@
           <a:p>
             <a:fld id="{B90DFD24-2ACC-49DB-8D87-02B6FEA69FAB}" type="datetimeFigureOut">
               <a:rPr lang="ru-RU" smtClean="0"/>
-              <a:t>09.12.2020</a:t>
+              <a:t>16.12.2020</a:t>
             </a:fld>
             <a:endParaRPr lang="ru-RU"/>
           </a:p>
@@ -3308,7 +3308,7 @@
           <a:p>
             <a:fld id="{B90DFD24-2ACC-49DB-8D87-02B6FEA69FAB}" type="datetimeFigureOut">
               <a:rPr lang="ru-RU" smtClean="0"/>
-              <a:t>09.12.2020</a:t>
+              <a:t>16.12.2020</a:t>
             </a:fld>
             <a:endParaRPr lang="ru-RU"/>
           </a:p>
@@ -3559,7 +3559,7 @@
           <a:p>
             <a:fld id="{B90DFD24-2ACC-49DB-8D87-02B6FEA69FAB}" type="datetimeFigureOut">
               <a:rPr lang="ru-RU" smtClean="0"/>
-              <a:t>09.12.2020</a:t>
+              <a:t>16.12.2020</a:t>
             </a:fld>
             <a:endParaRPr lang="ru-RU"/>
           </a:p>
@@ -3856,7 +3856,7 @@
           <a:p>
             <a:fld id="{B90DFD24-2ACC-49DB-8D87-02B6FEA69FAB}" type="datetimeFigureOut">
               <a:rPr lang="ru-RU" smtClean="0"/>
-              <a:t>09.12.2020</a:t>
+              <a:t>16.12.2020</a:t>
             </a:fld>
             <a:endParaRPr lang="ru-RU"/>
           </a:p>
@@ -4298,7 +4298,7 @@
           <a:p>
             <a:fld id="{B90DFD24-2ACC-49DB-8D87-02B6FEA69FAB}" type="datetimeFigureOut">
               <a:rPr lang="ru-RU" smtClean="0"/>
-              <a:t>09.12.2020</a:t>
+              <a:t>16.12.2020</a:t>
             </a:fld>
             <a:endParaRPr lang="ru-RU"/>
           </a:p>
@@ -4416,7 +4416,7 @@
           <a:p>
             <a:fld id="{B90DFD24-2ACC-49DB-8D87-02B6FEA69FAB}" type="datetimeFigureOut">
               <a:rPr lang="ru-RU" smtClean="0"/>
-              <a:t>09.12.2020</a:t>
+              <a:t>16.12.2020</a:t>
             </a:fld>
             <a:endParaRPr lang="ru-RU"/>
           </a:p>
@@ -4511,7 +4511,7 @@
           <a:p>
             <a:fld id="{B90DFD24-2ACC-49DB-8D87-02B6FEA69FAB}" type="datetimeFigureOut">
               <a:rPr lang="ru-RU" smtClean="0"/>
-              <a:t>09.12.2020</a:t>
+              <a:t>16.12.2020</a:t>
             </a:fld>
             <a:endParaRPr lang="ru-RU"/>
           </a:p>
@@ -4794,7 +4794,7 @@
           <a:p>
             <a:fld id="{B90DFD24-2ACC-49DB-8D87-02B6FEA69FAB}" type="datetimeFigureOut">
               <a:rPr lang="ru-RU" smtClean="0"/>
-              <a:t>09.12.2020</a:t>
+              <a:t>16.12.2020</a:t>
             </a:fld>
             <a:endParaRPr lang="ru-RU"/>
           </a:p>
@@ -5085,7 +5085,7 @@
           <a:p>
             <a:fld id="{B90DFD24-2ACC-49DB-8D87-02B6FEA69FAB}" type="datetimeFigureOut">
               <a:rPr lang="ru-RU" smtClean="0"/>
-              <a:t>09.12.2020</a:t>
+              <a:t>16.12.2020</a:t>
             </a:fld>
             <a:endParaRPr lang="ru-RU"/>
           </a:p>
@@ -5615,7 +5615,7 @@
           <a:p>
             <a:fld id="{B90DFD24-2ACC-49DB-8D87-02B6FEA69FAB}" type="datetimeFigureOut">
               <a:rPr lang="ru-RU" smtClean="0"/>
-              <a:t>09.12.2020</a:t>
+              <a:t>16.12.2020</a:t>
             </a:fld>
             <a:endParaRPr lang="ru-RU"/>
           </a:p>
@@ -6162,12 +6162,8 @@
           <a:lstStyle/>
           <a:p>
             <a:r>
-              <a:rPr lang="ru-RU" dirty="0" err="1" smtClean="0"/>
-              <a:t>Лр</a:t>
-            </a:r>
-            <a:r>
               <a:rPr lang="ru-RU" dirty="0" smtClean="0"/>
-              <a:t> 2</a:t>
+              <a:t>Лабораторная работа №3</a:t>
             </a:r>
             <a:endParaRPr lang="ru-RU" dirty="0"/>
           </a:p>
@@ -6188,7 +6184,21 @@
           <a:bodyPr/>
           <a:lstStyle/>
           <a:p>
-            <a:endParaRPr lang="ru-RU"/>
+            <a:r>
+              <a:rPr lang="ru-RU" dirty="0" smtClean="0"/>
+              <a:t>Выполнил</a:t>
+            </a:r>
+            <a:r>
+              <a:rPr lang="en-US" dirty="0" smtClean="0"/>
+              <a:t>:</a:t>
+            </a:r>
+          </a:p>
+          <a:p>
+            <a:r>
+              <a:rPr lang="ru-RU" dirty="0" smtClean="0"/>
+              <a:t>Гусев В.Я.</a:t>
+            </a:r>
+            <a:endParaRPr lang="ru-RU" dirty="0"/>
           </a:p>
         </p:txBody>
       </p:sp>
@@ -6346,8 +6356,8 @@
         </p:nvSpPr>
         <p:spPr>
           <a:xfrm>
-            <a:off x="1237125" y="686528"/>
-            <a:ext cx="2772939" cy="507831"/>
+            <a:off x="1365662" y="903895"/>
+            <a:ext cx="1242648" cy="463397"/>
           </a:xfrm>
           <a:prstGeom prst="rect">
             <a:avLst/>
@@ -6359,7 +6369,7 @@
           </a:bodyPr>
           <a:lstStyle/>
           <a:p>
-            <a:pPr marL="342900" lvl="0" indent="-342900" algn="just">
+            <a:pPr lvl="0" algn="just">
               <a:lnSpc>
                 <a:spcPct val="150000"/>
               </a:lnSpc>
@@ -6367,11 +6377,9 @@
                 <a:spcPts val="800"/>
               </a:spcAft>
               <a:buSzPts val="1100"/>
-              <a:buFont typeface="Times New Roman" panose="02020603050405020304" pitchFamily="18" charset="0"/>
-              <a:buAutoNum type="arabicParenR"/>
             </a:pPr>
             <a:r>
-              <a:rPr lang="ru-RU" u="sng" dirty="0">
+              <a:rPr lang="ru-RU" u="sng" dirty="0" smtClean="0">
                 <a:solidFill>
                   <a:srgbClr val="0563C1"/>
                 </a:solidFill>
@@ -6380,7 +6388,19 @@
                 <a:cs typeface="Times New Roman" panose="02020603050405020304" pitchFamily="18" charset="0"/>
                 <a:hlinkClick r:id="rId2"/>
               </a:rPr>
-              <a:t>https://www.reddit.com/</a:t>
+              <a:t>reddit.com</a:t>
+            </a:r>
+            <a:r>
+              <a:rPr lang="ru-RU" u="sng" dirty="0">
+                <a:solidFill>
+                  <a:srgbClr val="0563C1"/>
+                </a:solidFill>
+                <a:latin typeface="Times New Roman" panose="02020603050405020304" pitchFamily="18" charset="0"/>
+                <a:ea typeface="Calibri" panose="020F0502020204030204" pitchFamily="34" charset="0"/>
+                <a:cs typeface="Times New Roman" panose="02020603050405020304" pitchFamily="18" charset="0"/>
+                <a:hlinkClick r:id="rId2"/>
+              </a:rPr>
+              <a:t>/</a:t>
             </a:r>
             <a:endParaRPr lang="ru-RU" sz="1400" dirty="0">
               <a:effectLst/>
@@ -6405,7 +6425,7 @@
         </p:blipFill>
         <p:spPr>
           <a:xfrm>
-            <a:off x="204527" y="1756759"/>
+            <a:off x="197630" y="1367292"/>
             <a:ext cx="6203950" cy="3552825"/>
           </a:xfrm>
           <a:prstGeom prst="rect">
@@ -6427,7 +6447,7 @@
         </p:blipFill>
         <p:spPr>
           <a:xfrm>
-            <a:off x="197630" y="5451269"/>
+            <a:off x="197630" y="5093050"/>
             <a:ext cx="5940425" cy="1256665"/>
           </a:xfrm>
           <a:prstGeom prst="rect">
@@ -6669,7 +6689,7 @@
         </p:blipFill>
         <p:spPr>
           <a:xfrm>
-            <a:off x="1817940" y="1430835"/>
+            <a:off x="1494447" y="1430835"/>
             <a:ext cx="2292985" cy="4038600"/>
           </a:xfrm>
           <a:prstGeom prst="rect">
@@ -6691,7 +6711,7 @@
         </p:blipFill>
         <p:spPr>
           <a:xfrm>
-            <a:off x="7688471" y="1273841"/>
+            <a:off x="4626324" y="3464510"/>
             <a:ext cx="1076325" cy="1047750"/>
           </a:xfrm>
           <a:prstGeom prst="rect">
@@ -6720,7 +6740,7 @@
         </p:blipFill>
         <p:spPr bwMode="auto">
           <a:xfrm>
-            <a:off x="8764796" y="1311941"/>
+            <a:off x="5735986" y="3502610"/>
             <a:ext cx="1009650" cy="1009650"/>
           </a:xfrm>
           <a:prstGeom prst="rect">
@@ -6746,7 +6766,7 @@
         </p:blipFill>
         <p:spPr>
           <a:xfrm>
-            <a:off x="9774446" y="1311941"/>
+            <a:off x="6745636" y="3502610"/>
             <a:ext cx="1012190" cy="1019175"/>
           </a:xfrm>
           <a:prstGeom prst="rect">
@@ -6762,8 +6782,8 @@
         </p:nvSpPr>
         <p:spPr>
           <a:xfrm>
-            <a:off x="5178633" y="3450135"/>
-            <a:ext cx="6096000" cy="923330"/>
+            <a:off x="4626324" y="4512260"/>
+            <a:ext cx="6096000" cy="1396985"/>
           </a:xfrm>
           <a:prstGeom prst="rect">
             <a:avLst/>
@@ -6789,7 +6809,38 @@
                 <a:ea typeface="Calibri" panose="020F0502020204030204" pitchFamily="34" charset="0"/>
                 <a:cs typeface="Times New Roman" panose="02020603050405020304" pitchFamily="18" charset="0"/>
               </a:rPr>
-              <a:t>Модульная сетка использовалась. Правило внутреннего и внешнего используется, как и правило контраста.</a:t>
+              <a:t>Модульная сетка использовалась. </a:t>
+            </a:r>
+            <a:endParaRPr lang="ru-RU" dirty="0" smtClean="0">
+              <a:latin typeface="Times New Roman" panose="02020603050405020304" pitchFamily="18" charset="0"/>
+              <a:ea typeface="Calibri" panose="020F0502020204030204" pitchFamily="34" charset="0"/>
+              <a:cs typeface="Times New Roman" panose="02020603050405020304" pitchFamily="18" charset="0"/>
+            </a:endParaRPr>
+          </a:p>
+          <a:p>
+            <a:pPr algn="just">
+              <a:lnSpc>
+                <a:spcPct val="150000"/>
+              </a:lnSpc>
+              <a:spcAft>
+                <a:spcPts val="800"/>
+              </a:spcAft>
+            </a:pPr>
+            <a:r>
+              <a:rPr lang="ru-RU" dirty="0" smtClean="0">
+                <a:latin typeface="Times New Roman" panose="02020603050405020304" pitchFamily="18" charset="0"/>
+                <a:ea typeface="Calibri" panose="020F0502020204030204" pitchFamily="34" charset="0"/>
+                <a:cs typeface="Times New Roman" panose="02020603050405020304" pitchFamily="18" charset="0"/>
+              </a:rPr>
+              <a:t>Правило </a:t>
+            </a:r>
+            <a:r>
+              <a:rPr lang="ru-RU" dirty="0">
+                <a:latin typeface="Times New Roman" panose="02020603050405020304" pitchFamily="18" charset="0"/>
+                <a:ea typeface="Calibri" panose="020F0502020204030204" pitchFamily="34" charset="0"/>
+                <a:cs typeface="Times New Roman" panose="02020603050405020304" pitchFamily="18" charset="0"/>
+              </a:rPr>
+              <a:t>внутреннего и внешнего используется, как и правило контраста.</a:t>
             </a:r>
             <a:endParaRPr lang="ru-RU" sz="1400" dirty="0">
               <a:effectLst/>
@@ -6852,11 +6903,7 @@
           <a:p>
             <a:r>
               <a:rPr lang="ru-RU" dirty="0" smtClean="0"/>
-              <a:t>Задание </a:t>
-            </a:r>
-            <a:r>
-              <a:rPr lang="ru-RU" dirty="0" smtClean="0"/>
-              <a:t>2</a:t>
+              <a:t>Задание 2</a:t>
             </a:r>
             <a:endParaRPr lang="ru-RU" dirty="0"/>
           </a:p>
@@ -6968,11 +7015,7 @@
           <a:p>
             <a:r>
               <a:rPr lang="ru-RU" dirty="0" smtClean="0"/>
-              <a:t>Задание </a:t>
-            </a:r>
-            <a:r>
-              <a:rPr lang="ru-RU" dirty="0" smtClean="0"/>
-              <a:t>2</a:t>
+              <a:t>Задание 2</a:t>
             </a:r>
             <a:endParaRPr lang="ru-RU" dirty="0"/>
           </a:p>
@@ -7101,11 +7144,7 @@
           <a:p>
             <a:r>
               <a:rPr lang="ru-RU" dirty="0" smtClean="0"/>
-              <a:t>Задание </a:t>
-            </a:r>
-            <a:r>
-              <a:rPr lang="ru-RU" dirty="0" smtClean="0"/>
-              <a:t>2</a:t>
+              <a:t>Задание 2</a:t>
             </a:r>
             <a:endParaRPr lang="ru-RU" dirty="0"/>
           </a:p>
@@ -7217,11 +7256,7 @@
           <a:p>
             <a:r>
               <a:rPr lang="ru-RU" dirty="0" smtClean="0"/>
-              <a:t>Задание </a:t>
-            </a:r>
-            <a:r>
-              <a:rPr lang="ru-RU" dirty="0" smtClean="0"/>
-              <a:t>2</a:t>
+              <a:t>Задание 2</a:t>
             </a:r>
             <a:endParaRPr lang="ru-RU" dirty="0"/>
           </a:p>
@@ -7333,11 +7368,7 @@
           <a:p>
             <a:r>
               <a:rPr lang="ru-RU" dirty="0" smtClean="0"/>
-              <a:t>Задание </a:t>
-            </a:r>
-            <a:r>
-              <a:rPr lang="ru-RU" dirty="0" smtClean="0"/>
-              <a:t>2</a:t>
+              <a:t>Задание 2</a:t>
             </a:r>
             <a:endParaRPr lang="ru-RU" dirty="0"/>
           </a:p>
@@ -7456,11 +7487,39 @@
           <a:p>
             <a:r>
               <a:rPr lang="ru-RU" dirty="0" smtClean="0"/>
-              <a:t>Задание </a:t>
-            </a:r>
-            <a:r>
-              <a:rPr lang="ru-RU" dirty="0" smtClean="0"/>
-              <a:t>2</a:t>
+              <a:t>Задание 2</a:t>
+            </a:r>
+            <a:endParaRPr lang="ru-RU" dirty="0"/>
+          </a:p>
+        </p:txBody>
+      </p:sp>
+      <p:sp>
+        <p:nvSpPr>
+          <p:cNvPr id="4" name="Прямоугольник 3"/>
+          <p:cNvSpPr/>
+          <p:nvPr/>
+        </p:nvSpPr>
+        <p:spPr>
+          <a:xfrm>
+            <a:off x="5556925" y="5605569"/>
+            <a:ext cx="1425390" cy="369332"/>
+          </a:xfrm>
+          <a:prstGeom prst="rect">
+            <a:avLst/>
+          </a:prstGeom>
+        </p:spPr>
+        <p:txBody>
+          <a:bodyPr wrap="none">
+            <a:spAutoFit/>
+          </a:bodyPr>
+          <a:lstStyle/>
+          <a:p>
+            <a:r>
+              <a:rPr lang="ru-RU" dirty="0">
+                <a:latin typeface="Times New Roman" panose="02020603050405020304" pitchFamily="18" charset="0"/>
+                <a:ea typeface="Calibri" panose="020F0502020204030204" pitchFamily="34" charset="0"/>
+              </a:rPr>
+              <a:t>Вариант 3+4</a:t>
             </a:r>
             <a:endParaRPr lang="ru-RU" dirty="0"/>
           </a:p>
@@ -7468,8 +7527,10 @@
       </p:sp>
       <p:pic>
         <p:nvPicPr>
-          <p:cNvPr id="5" name="Рисунок 4"/>
-          <p:cNvPicPr/>
+          <p:cNvPr id="3" name="Рисунок 2"/>
+          <p:cNvPicPr>
+            <a:picLocks noChangeAspect="1"/>
+          </p:cNvPicPr>
           <p:nvPr/>
         </p:nvPicPr>
         <p:blipFill>
@@ -7480,46 +7541,14 @@
         </p:blipFill>
         <p:spPr>
           <a:xfrm>
-            <a:off x="1296480" y="743544"/>
-            <a:ext cx="9683150" cy="4757216"/>
+            <a:off x="1108855" y="1553920"/>
+            <a:ext cx="10665886" cy="3145401"/>
           </a:xfrm>
           <a:prstGeom prst="rect">
             <a:avLst/>
           </a:prstGeom>
         </p:spPr>
       </p:pic>
-      <p:sp>
-        <p:nvSpPr>
-          <p:cNvPr id="4" name="Прямоугольник 3"/>
-          <p:cNvSpPr/>
-          <p:nvPr/>
-        </p:nvSpPr>
-        <p:spPr>
-          <a:xfrm>
-            <a:off x="5556925" y="5605569"/>
-            <a:ext cx="1425390" cy="369332"/>
-          </a:xfrm>
-          <a:prstGeom prst="rect">
-            <a:avLst/>
-          </a:prstGeom>
-        </p:spPr>
-        <p:txBody>
-          <a:bodyPr wrap="none">
-            <a:spAutoFit/>
-          </a:bodyPr>
-          <a:lstStyle/>
-          <a:p>
-            <a:r>
-              <a:rPr lang="ru-RU" dirty="0">
-                <a:latin typeface="Times New Roman" panose="02020603050405020304" pitchFamily="18" charset="0"/>
-                <a:ea typeface="Calibri" panose="020F0502020204030204" pitchFamily="34" charset="0"/>
-              </a:rPr>
-              <a:t>Вариант 3+4</a:t>
-            </a:r>
-            <a:endParaRPr lang="ru-RU" dirty="0"/>
-          </a:p>
-        </p:txBody>
-      </p:sp>
     </p:spTree>
     <p:extLst>
       <p:ext uri="{BB962C8B-B14F-4D97-AF65-F5344CB8AC3E}">
